--- a/NewThesis/LaTex-template-package/LaTex-template-package/Drawing4/overview2.pptx
+++ b/NewThesis/LaTex-template-package/LaTex-template-package/Drawing4/overview2.pptx
@@ -2,7 +2,7 @@
 <file path=ppt/presentation.xml><?xml version="1.0" encoding="utf-8"?>
 <p:presentation xmlns:a="http://schemas.openxmlformats.org/drawingml/2006/main" xmlns:r="http://schemas.openxmlformats.org/officeDocument/2006/relationships" xmlns:p="http://schemas.openxmlformats.org/presentationml/2006/main" saveSubsetFonts="1">
   <p:sldMasterIdLst>
-    <p:sldMasterId id="2147483732" r:id="rId1"/>
+    <p:sldMasterId id="2147483744" r:id="rId1"/>
   </p:sldMasterIdLst>
   <p:notesMasterIdLst>
     <p:notesMasterId r:id="rId3"/>
@@ -10,7 +10,7 @@
   <p:sldIdLst>
     <p:sldId id="257" r:id="rId2"/>
   </p:sldIdLst>
-  <p:sldSz cx="13716000" cy="7199313"/>
+  <p:sldSz cx="18288000" cy="7199313"/>
   <p:notesSz cx="6858000" cy="9144000"/>
   <p:defaultTextStyle>
     <a:defPPr>
@@ -197,7 +197,7 @@
           <a:p>
             <a:fld id="{69439091-2C92-4D7B-9ACF-2E96006E9DBD}" type="datetimeFigureOut">
               <a:rPr lang="en-US" smtClean="0"/>
-              <a:t>7/29/2016</a:t>
+              <a:t>8/3/2016</a:t>
             </a:fld>
             <a:endParaRPr lang="en-US"/>
           </a:p>
@@ -215,8 +215,8 @@
         </p:nvSpPr>
         <p:spPr>
           <a:xfrm>
-            <a:off x="490538" y="1143000"/>
-            <a:ext cx="5876925" cy="3086100"/>
+            <a:off x="-490538" y="1143000"/>
+            <a:ext cx="7839076" cy="3086100"/>
           </a:xfrm>
           <a:prstGeom prst="rect">
             <a:avLst/>
@@ -493,8 +493,8 @@
         </p:nvSpPr>
         <p:spPr>
           <a:xfrm>
-            <a:off x="490538" y="1143000"/>
-            <a:ext cx="5876925" cy="3086100"/>
+            <a:off x="-490538" y="1143000"/>
+            <a:ext cx="7839076" cy="3086100"/>
           </a:xfrm>
         </p:spPr>
       </p:sp>
@@ -582,8 +582,8 @@
         </p:nvSpPr>
         <p:spPr>
           <a:xfrm>
-            <a:off x="1714500" y="1178222"/>
-            <a:ext cx="10287000" cy="2506427"/>
+            <a:off x="2286000" y="1178222"/>
+            <a:ext cx="13716000" cy="2506427"/>
           </a:xfrm>
         </p:spPr>
         <p:txBody>
@@ -614,8 +614,8 @@
         </p:nvSpPr>
         <p:spPr>
           <a:xfrm>
-            <a:off x="1714500" y="3781306"/>
-            <a:ext cx="10287000" cy="1738167"/>
+            <a:off x="2286000" y="3781306"/>
+            <a:ext cx="13716000" cy="1738167"/>
           </a:xfrm>
         </p:spPr>
         <p:txBody>
@@ -684,7 +684,7 @@
           <a:p>
             <a:fld id="{034EC1D1-0E05-47D0-B125-0ACF846A4397}" type="datetimeFigureOut">
               <a:rPr lang="en-US" smtClean="0"/>
-              <a:t>7/29/2016</a:t>
+              <a:t>8/3/2016</a:t>
             </a:fld>
             <a:endParaRPr lang="en-US"/>
           </a:p>
@@ -735,7 +735,7 @@
     </p:spTree>
     <p:extLst>
       <p:ext uri="{BB962C8B-B14F-4D97-AF65-F5344CB8AC3E}">
-        <p14:creationId xmlns:p14="http://schemas.microsoft.com/office/powerpoint/2010/main" val="3269813946"/>
+        <p14:creationId xmlns:p14="http://schemas.microsoft.com/office/powerpoint/2010/main" val="1727248470"/>
       </p:ext>
     </p:extLst>
   </p:cSld>
@@ -803,7 +803,7 @@
             <a:pPr lvl="0"/>
             <a:r>
               <a:rPr lang="en-US"/>
-              <a:t>Edit Master text styles</a:t>
+              <a:t>Click to edit Master text styles</a:t>
             </a:r>
           </a:p>
           <a:p>
@@ -854,7 +854,7 @@
           <a:p>
             <a:fld id="{034EC1D1-0E05-47D0-B125-0ACF846A4397}" type="datetimeFigureOut">
               <a:rPr lang="en-US" smtClean="0"/>
-              <a:t>7/29/2016</a:t>
+              <a:t>8/3/2016</a:t>
             </a:fld>
             <a:endParaRPr lang="en-US"/>
           </a:p>
@@ -905,7 +905,7 @@
     </p:spTree>
     <p:extLst>
       <p:ext uri="{BB962C8B-B14F-4D97-AF65-F5344CB8AC3E}">
-        <p14:creationId xmlns:p14="http://schemas.microsoft.com/office/powerpoint/2010/main" val="2038903433"/>
+        <p14:creationId xmlns:p14="http://schemas.microsoft.com/office/powerpoint/2010/main" val="2789479523"/>
       </p:ext>
     </p:extLst>
   </p:cSld>
@@ -944,8 +944,8 @@
         </p:nvSpPr>
         <p:spPr>
           <a:xfrm>
-            <a:off x="9815512" y="383297"/>
-            <a:ext cx="2957513" cy="6101085"/>
+            <a:off x="13087350" y="383297"/>
+            <a:ext cx="3943350" cy="6101085"/>
           </a:xfrm>
         </p:spPr>
         <p:txBody>
@@ -972,8 +972,8 @@
         </p:nvSpPr>
         <p:spPr>
           <a:xfrm>
-            <a:off x="942975" y="383297"/>
-            <a:ext cx="8701088" cy="6101085"/>
+            <a:off x="1257300" y="383297"/>
+            <a:ext cx="11601450" cy="6101085"/>
           </a:xfrm>
         </p:spPr>
         <p:txBody>
@@ -983,7 +983,7 @@
             <a:pPr lvl="0"/>
             <a:r>
               <a:rPr lang="en-US"/>
-              <a:t>Edit Master text styles</a:t>
+              <a:t>Click to edit Master text styles</a:t>
             </a:r>
           </a:p>
           <a:p>
@@ -1034,7 +1034,7 @@
           <a:p>
             <a:fld id="{034EC1D1-0E05-47D0-B125-0ACF846A4397}" type="datetimeFigureOut">
               <a:rPr lang="en-US" smtClean="0"/>
-              <a:t>7/29/2016</a:t>
+              <a:t>8/3/2016</a:t>
             </a:fld>
             <a:endParaRPr lang="en-US"/>
           </a:p>
@@ -1085,7 +1085,7 @@
     </p:spTree>
     <p:extLst>
       <p:ext uri="{BB962C8B-B14F-4D97-AF65-F5344CB8AC3E}">
-        <p14:creationId xmlns:p14="http://schemas.microsoft.com/office/powerpoint/2010/main" val="1836351609"/>
+        <p14:creationId xmlns:p14="http://schemas.microsoft.com/office/powerpoint/2010/main" val="1678811159"/>
       </p:ext>
     </p:extLst>
   </p:cSld>
@@ -1153,7 +1153,7 @@
             <a:pPr lvl="0"/>
             <a:r>
               <a:rPr lang="en-US"/>
-              <a:t>Edit Master text styles</a:t>
+              <a:t>Click to edit Master text styles</a:t>
             </a:r>
           </a:p>
           <a:p>
@@ -1204,7 +1204,7 @@
           <a:p>
             <a:fld id="{034EC1D1-0E05-47D0-B125-0ACF846A4397}" type="datetimeFigureOut">
               <a:rPr lang="en-US" smtClean="0"/>
-              <a:t>7/29/2016</a:t>
+              <a:t>8/3/2016</a:t>
             </a:fld>
             <a:endParaRPr lang="en-US"/>
           </a:p>
@@ -1255,7 +1255,7 @@
     </p:spTree>
     <p:extLst>
       <p:ext uri="{BB962C8B-B14F-4D97-AF65-F5344CB8AC3E}">
-        <p14:creationId xmlns:p14="http://schemas.microsoft.com/office/powerpoint/2010/main" val="1708629472"/>
+        <p14:creationId xmlns:p14="http://schemas.microsoft.com/office/powerpoint/2010/main" val="3015574083"/>
       </p:ext>
     </p:extLst>
   </p:cSld>
@@ -1294,8 +1294,8 @@
         </p:nvSpPr>
         <p:spPr>
           <a:xfrm>
-            <a:off x="935831" y="1794830"/>
-            <a:ext cx="11830050" cy="2994714"/>
+            <a:off x="1247775" y="1794830"/>
+            <a:ext cx="15773400" cy="2994714"/>
           </a:xfrm>
         </p:spPr>
         <p:txBody>
@@ -1326,8 +1326,8 @@
         </p:nvSpPr>
         <p:spPr>
           <a:xfrm>
-            <a:off x="935831" y="4817875"/>
-            <a:ext cx="11830050" cy="1574849"/>
+            <a:off x="1247775" y="4817875"/>
+            <a:ext cx="15773400" cy="1574849"/>
           </a:xfrm>
         </p:spPr>
         <p:txBody>
@@ -1428,7 +1428,7 @@
             <a:pPr lvl="0"/>
             <a:r>
               <a:rPr lang="en-US"/>
-              <a:t>Edit Master text styles</a:t>
+              <a:t>Click to edit Master text styles</a:t>
             </a:r>
           </a:p>
         </p:txBody>
@@ -1450,7 +1450,7 @@
           <a:p>
             <a:fld id="{034EC1D1-0E05-47D0-B125-0ACF846A4397}" type="datetimeFigureOut">
               <a:rPr lang="en-US" smtClean="0"/>
-              <a:t>7/29/2016</a:t>
+              <a:t>8/3/2016</a:t>
             </a:fld>
             <a:endParaRPr lang="en-US"/>
           </a:p>
@@ -1501,7 +1501,7 @@
     </p:spTree>
     <p:extLst>
       <p:ext uri="{BB962C8B-B14F-4D97-AF65-F5344CB8AC3E}">
-        <p14:creationId xmlns:p14="http://schemas.microsoft.com/office/powerpoint/2010/main" val="2390401230"/>
+        <p14:creationId xmlns:p14="http://schemas.microsoft.com/office/powerpoint/2010/main" val="3139773058"/>
       </p:ext>
     </p:extLst>
   </p:cSld>
@@ -1563,8 +1563,8 @@
         </p:nvSpPr>
         <p:spPr>
           <a:xfrm>
-            <a:off x="942975" y="1916484"/>
-            <a:ext cx="5829300" cy="4567898"/>
+            <a:off x="1257300" y="1916484"/>
+            <a:ext cx="7772400" cy="4567898"/>
           </a:xfrm>
         </p:spPr>
         <p:txBody>
@@ -1574,7 +1574,7 @@
             <a:pPr lvl="0"/>
             <a:r>
               <a:rPr lang="en-US"/>
-              <a:t>Edit Master text styles</a:t>
+              <a:t>Click to edit Master text styles</a:t>
             </a:r>
           </a:p>
           <a:p>
@@ -1620,8 +1620,8 @@
         </p:nvSpPr>
         <p:spPr>
           <a:xfrm>
-            <a:off x="6943725" y="1916484"/>
-            <a:ext cx="5829300" cy="4567898"/>
+            <a:off x="9258300" y="1916484"/>
+            <a:ext cx="7772400" cy="4567898"/>
           </a:xfrm>
         </p:spPr>
         <p:txBody>
@@ -1631,7 +1631,7 @@
             <a:pPr lvl="0"/>
             <a:r>
               <a:rPr lang="en-US"/>
-              <a:t>Edit Master text styles</a:t>
+              <a:t>Click to edit Master text styles</a:t>
             </a:r>
           </a:p>
           <a:p>
@@ -1682,7 +1682,7 @@
           <a:p>
             <a:fld id="{034EC1D1-0E05-47D0-B125-0ACF846A4397}" type="datetimeFigureOut">
               <a:rPr lang="en-US" smtClean="0"/>
-              <a:t>7/29/2016</a:t>
+              <a:t>8/3/2016</a:t>
             </a:fld>
             <a:endParaRPr lang="en-US"/>
           </a:p>
@@ -1733,7 +1733,7 @@
     </p:spTree>
     <p:extLst>
       <p:ext uri="{BB962C8B-B14F-4D97-AF65-F5344CB8AC3E}">
-        <p14:creationId xmlns:p14="http://schemas.microsoft.com/office/powerpoint/2010/main" val="2836972383"/>
+        <p14:creationId xmlns:p14="http://schemas.microsoft.com/office/powerpoint/2010/main" val="792751033"/>
       </p:ext>
     </p:extLst>
   </p:cSld>
@@ -1772,8 +1772,8 @@
         </p:nvSpPr>
         <p:spPr>
           <a:xfrm>
-            <a:off x="944762" y="383297"/>
-            <a:ext cx="11830050" cy="1391534"/>
+            <a:off x="1259682" y="383297"/>
+            <a:ext cx="15773400" cy="1391534"/>
           </a:xfrm>
         </p:spPr>
         <p:txBody>
@@ -1800,8 +1800,8 @@
         </p:nvSpPr>
         <p:spPr>
           <a:xfrm>
-            <a:off x="944762" y="1764832"/>
-            <a:ext cx="5802510" cy="864917"/>
+            <a:off x="1259683" y="1764832"/>
+            <a:ext cx="7736681" cy="864917"/>
           </a:xfrm>
         </p:spPr>
         <p:txBody>
@@ -1848,7 +1848,7 @@
             <a:pPr lvl="0"/>
             <a:r>
               <a:rPr lang="en-US"/>
-              <a:t>Edit Master text styles</a:t>
+              <a:t>Click to edit Master text styles</a:t>
             </a:r>
           </a:p>
         </p:txBody>
@@ -1865,8 +1865,8 @@
         </p:nvSpPr>
         <p:spPr>
           <a:xfrm>
-            <a:off x="944762" y="2629749"/>
-            <a:ext cx="5802510" cy="3867965"/>
+            <a:off x="1259683" y="2629749"/>
+            <a:ext cx="7736681" cy="3867965"/>
           </a:xfrm>
         </p:spPr>
         <p:txBody>
@@ -1876,7 +1876,7 @@
             <a:pPr lvl="0"/>
             <a:r>
               <a:rPr lang="en-US"/>
-              <a:t>Edit Master text styles</a:t>
+              <a:t>Click to edit Master text styles</a:t>
             </a:r>
           </a:p>
           <a:p>
@@ -1922,8 +1922,8 @@
         </p:nvSpPr>
         <p:spPr>
           <a:xfrm>
-            <a:off x="6943725" y="1764832"/>
-            <a:ext cx="5831087" cy="864917"/>
+            <a:off x="9258300" y="1764832"/>
+            <a:ext cx="7774782" cy="864917"/>
           </a:xfrm>
         </p:spPr>
         <p:txBody>
@@ -1970,7 +1970,7 @@
             <a:pPr lvl="0"/>
             <a:r>
               <a:rPr lang="en-US"/>
-              <a:t>Edit Master text styles</a:t>
+              <a:t>Click to edit Master text styles</a:t>
             </a:r>
           </a:p>
         </p:txBody>
@@ -1987,8 +1987,8 @@
         </p:nvSpPr>
         <p:spPr>
           <a:xfrm>
-            <a:off x="6943725" y="2629749"/>
-            <a:ext cx="5831087" cy="3867965"/>
+            <a:off x="9258300" y="2629749"/>
+            <a:ext cx="7774782" cy="3867965"/>
           </a:xfrm>
         </p:spPr>
         <p:txBody>
@@ -1998,7 +1998,7 @@
             <a:pPr lvl="0"/>
             <a:r>
               <a:rPr lang="en-US"/>
-              <a:t>Edit Master text styles</a:t>
+              <a:t>Click to edit Master text styles</a:t>
             </a:r>
           </a:p>
           <a:p>
@@ -2049,7 +2049,7 @@
           <a:p>
             <a:fld id="{034EC1D1-0E05-47D0-B125-0ACF846A4397}" type="datetimeFigureOut">
               <a:rPr lang="en-US" smtClean="0"/>
-              <a:t>7/29/2016</a:t>
+              <a:t>8/3/2016</a:t>
             </a:fld>
             <a:endParaRPr lang="en-US"/>
           </a:p>
@@ -2100,7 +2100,7 @@
     </p:spTree>
     <p:extLst>
       <p:ext uri="{BB962C8B-B14F-4D97-AF65-F5344CB8AC3E}">
-        <p14:creationId xmlns:p14="http://schemas.microsoft.com/office/powerpoint/2010/main" val="1552068746"/>
+        <p14:creationId xmlns:p14="http://schemas.microsoft.com/office/powerpoint/2010/main" val="1703456891"/>
       </p:ext>
     </p:extLst>
   </p:cSld>
@@ -2167,7 +2167,7 @@
           <a:p>
             <a:fld id="{034EC1D1-0E05-47D0-B125-0ACF846A4397}" type="datetimeFigureOut">
               <a:rPr lang="en-US" smtClean="0"/>
-              <a:t>7/29/2016</a:t>
+              <a:t>8/3/2016</a:t>
             </a:fld>
             <a:endParaRPr lang="en-US"/>
           </a:p>
@@ -2218,7 +2218,7 @@
     </p:spTree>
     <p:extLst>
       <p:ext uri="{BB962C8B-B14F-4D97-AF65-F5344CB8AC3E}">
-        <p14:creationId xmlns:p14="http://schemas.microsoft.com/office/powerpoint/2010/main" val="652500333"/>
+        <p14:creationId xmlns:p14="http://schemas.microsoft.com/office/powerpoint/2010/main" val="4001696190"/>
       </p:ext>
     </p:extLst>
   </p:cSld>
@@ -2262,7 +2262,7 @@
           <a:p>
             <a:fld id="{034EC1D1-0E05-47D0-B125-0ACF846A4397}" type="datetimeFigureOut">
               <a:rPr lang="en-US" smtClean="0"/>
-              <a:t>7/29/2016</a:t>
+              <a:t>8/3/2016</a:t>
             </a:fld>
             <a:endParaRPr lang="en-US"/>
           </a:p>
@@ -2313,7 +2313,7 @@
     </p:spTree>
     <p:extLst>
       <p:ext uri="{BB962C8B-B14F-4D97-AF65-F5344CB8AC3E}">
-        <p14:creationId xmlns:p14="http://schemas.microsoft.com/office/powerpoint/2010/main" val="3015652138"/>
+        <p14:creationId xmlns:p14="http://schemas.microsoft.com/office/powerpoint/2010/main" val="1878515511"/>
       </p:ext>
     </p:extLst>
   </p:cSld>
@@ -2352,8 +2352,8 @@
         </p:nvSpPr>
         <p:spPr>
           <a:xfrm>
-            <a:off x="944762" y="479954"/>
-            <a:ext cx="4423767" cy="1679840"/>
+            <a:off x="1259683" y="479954"/>
+            <a:ext cx="5898356" cy="1679840"/>
           </a:xfrm>
         </p:spPr>
         <p:txBody>
@@ -2384,8 +2384,8 @@
         </p:nvSpPr>
         <p:spPr>
           <a:xfrm>
-            <a:off x="5831087" y="1036569"/>
-            <a:ext cx="6943725" cy="5116178"/>
+            <a:off x="7774782" y="1036569"/>
+            <a:ext cx="9258300" cy="5116178"/>
           </a:xfrm>
         </p:spPr>
         <p:txBody>
@@ -2423,7 +2423,7 @@
             <a:pPr lvl="0"/>
             <a:r>
               <a:rPr lang="en-US"/>
-              <a:t>Edit Master text styles</a:t>
+              <a:t>Click to edit Master text styles</a:t>
             </a:r>
           </a:p>
           <a:p>
@@ -2469,8 +2469,8 @@
         </p:nvSpPr>
         <p:spPr>
           <a:xfrm>
-            <a:off x="944762" y="2159794"/>
-            <a:ext cx="4423767" cy="4001285"/>
+            <a:off x="1259683" y="2159794"/>
+            <a:ext cx="5898356" cy="4001285"/>
           </a:xfrm>
         </p:spPr>
         <p:txBody>
@@ -2517,7 +2517,7 @@
             <a:pPr lvl="0"/>
             <a:r>
               <a:rPr lang="en-US"/>
-              <a:t>Edit Master text styles</a:t>
+              <a:t>Click to edit Master text styles</a:t>
             </a:r>
           </a:p>
         </p:txBody>
@@ -2539,7 +2539,7 @@
           <a:p>
             <a:fld id="{034EC1D1-0E05-47D0-B125-0ACF846A4397}" type="datetimeFigureOut">
               <a:rPr lang="en-US" smtClean="0"/>
-              <a:t>7/29/2016</a:t>
+              <a:t>8/3/2016</a:t>
             </a:fld>
             <a:endParaRPr lang="en-US"/>
           </a:p>
@@ -2590,7 +2590,7 @@
     </p:spTree>
     <p:extLst>
       <p:ext uri="{BB962C8B-B14F-4D97-AF65-F5344CB8AC3E}">
-        <p14:creationId xmlns:p14="http://schemas.microsoft.com/office/powerpoint/2010/main" val="3138060182"/>
+        <p14:creationId xmlns:p14="http://schemas.microsoft.com/office/powerpoint/2010/main" val="1377395838"/>
       </p:ext>
     </p:extLst>
   </p:cSld>
@@ -2629,8 +2629,8 @@
         </p:nvSpPr>
         <p:spPr>
           <a:xfrm>
-            <a:off x="944762" y="479954"/>
-            <a:ext cx="4423767" cy="1679840"/>
+            <a:off x="1259683" y="479954"/>
+            <a:ext cx="5898356" cy="1679840"/>
           </a:xfrm>
         </p:spPr>
         <p:txBody>
@@ -2661,8 +2661,8 @@
         </p:nvSpPr>
         <p:spPr>
           <a:xfrm>
-            <a:off x="5831087" y="1036569"/>
-            <a:ext cx="6943725" cy="5116178"/>
+            <a:off x="7774782" y="1036569"/>
+            <a:ext cx="9258300" cy="5116178"/>
           </a:xfrm>
         </p:spPr>
         <p:txBody>
@@ -2726,8 +2726,8 @@
         </p:nvSpPr>
         <p:spPr>
           <a:xfrm>
-            <a:off x="944762" y="2159794"/>
-            <a:ext cx="4423767" cy="4001285"/>
+            <a:off x="1259683" y="2159794"/>
+            <a:ext cx="5898356" cy="4001285"/>
           </a:xfrm>
         </p:spPr>
         <p:txBody>
@@ -2774,7 +2774,7 @@
             <a:pPr lvl="0"/>
             <a:r>
               <a:rPr lang="en-US"/>
-              <a:t>Edit Master text styles</a:t>
+              <a:t>Click to edit Master text styles</a:t>
             </a:r>
           </a:p>
         </p:txBody>
@@ -2796,7 +2796,7 @@
           <a:p>
             <a:fld id="{034EC1D1-0E05-47D0-B125-0ACF846A4397}" type="datetimeFigureOut">
               <a:rPr lang="en-US" smtClean="0"/>
-              <a:t>7/29/2016</a:t>
+              <a:t>8/3/2016</a:t>
             </a:fld>
             <a:endParaRPr lang="en-US"/>
           </a:p>
@@ -2847,7 +2847,7 @@
     </p:spTree>
     <p:extLst>
       <p:ext uri="{BB962C8B-B14F-4D97-AF65-F5344CB8AC3E}">
-        <p14:creationId xmlns:p14="http://schemas.microsoft.com/office/powerpoint/2010/main" val="1631743071"/>
+        <p14:creationId xmlns:p14="http://schemas.microsoft.com/office/powerpoint/2010/main" val="1309128828"/>
       </p:ext>
     </p:extLst>
   </p:cSld>
@@ -2891,8 +2891,8 @@
         </p:nvSpPr>
         <p:spPr>
           <a:xfrm>
-            <a:off x="942975" y="383297"/>
-            <a:ext cx="11830050" cy="1391534"/>
+            <a:off x="1257300" y="383297"/>
+            <a:ext cx="15773400" cy="1391534"/>
           </a:xfrm>
           <a:prstGeom prst="rect">
             <a:avLst/>
@@ -2924,8 +2924,8 @@
         </p:nvSpPr>
         <p:spPr>
           <a:xfrm>
-            <a:off x="942975" y="1916484"/>
-            <a:ext cx="11830050" cy="4567898"/>
+            <a:off x="1257300" y="1916484"/>
+            <a:ext cx="15773400" cy="4567898"/>
           </a:xfrm>
           <a:prstGeom prst="rect">
             <a:avLst/>
@@ -2940,7 +2940,7 @@
             <a:pPr lvl="0"/>
             <a:r>
               <a:rPr lang="en-US"/>
-              <a:t>Edit Master text styles</a:t>
+              <a:t>Click to edit Master text styles</a:t>
             </a:r>
           </a:p>
           <a:p>
@@ -2986,8 +2986,8 @@
         </p:nvSpPr>
         <p:spPr>
           <a:xfrm>
-            <a:off x="942975" y="6672697"/>
-            <a:ext cx="3086100" cy="383297"/>
+            <a:off x="1257300" y="6672697"/>
+            <a:ext cx="4114800" cy="383297"/>
           </a:xfrm>
           <a:prstGeom prst="rect">
             <a:avLst/>
@@ -3009,7 +3009,7 @@
           <a:p>
             <a:fld id="{034EC1D1-0E05-47D0-B125-0ACF846A4397}" type="datetimeFigureOut">
               <a:rPr lang="en-US" smtClean="0"/>
-              <a:t>7/29/2016</a:t>
+              <a:t>8/3/2016</a:t>
             </a:fld>
             <a:endParaRPr lang="en-US"/>
           </a:p>
@@ -3027,8 +3027,8 @@
         </p:nvSpPr>
         <p:spPr>
           <a:xfrm>
-            <a:off x="4543425" y="6672697"/>
-            <a:ext cx="4629150" cy="383297"/>
+            <a:off x="6057900" y="6672697"/>
+            <a:ext cx="6172200" cy="383297"/>
           </a:xfrm>
           <a:prstGeom prst="rect">
             <a:avLst/>
@@ -3064,8 +3064,8 @@
         </p:nvSpPr>
         <p:spPr>
           <a:xfrm>
-            <a:off x="9686925" y="6672697"/>
-            <a:ext cx="3086100" cy="383297"/>
+            <a:off x="12915900" y="6672697"/>
+            <a:ext cx="4114800" cy="383297"/>
           </a:xfrm>
           <a:prstGeom prst="rect">
             <a:avLst/>
@@ -3096,23 +3096,23 @@
     </p:spTree>
     <p:extLst>
       <p:ext uri="{BB962C8B-B14F-4D97-AF65-F5344CB8AC3E}">
-        <p14:creationId xmlns:p14="http://schemas.microsoft.com/office/powerpoint/2010/main" val="533646620"/>
+        <p14:creationId xmlns:p14="http://schemas.microsoft.com/office/powerpoint/2010/main" val="3901967936"/>
       </p:ext>
     </p:extLst>
   </p:cSld>
   <p:clrMap bg1="lt1" tx1="dk1" bg2="lt2" tx2="dk2" accent1="accent1" accent2="accent2" accent3="accent3" accent4="accent4" accent5="accent5" accent6="accent6" hlink="hlink" folHlink="folHlink"/>
   <p:sldLayoutIdLst>
-    <p:sldLayoutId id="2147483733" r:id="rId1"/>
-    <p:sldLayoutId id="2147483734" r:id="rId2"/>
-    <p:sldLayoutId id="2147483735" r:id="rId3"/>
-    <p:sldLayoutId id="2147483736" r:id="rId4"/>
-    <p:sldLayoutId id="2147483737" r:id="rId5"/>
-    <p:sldLayoutId id="2147483738" r:id="rId6"/>
-    <p:sldLayoutId id="2147483739" r:id="rId7"/>
-    <p:sldLayoutId id="2147483740" r:id="rId8"/>
-    <p:sldLayoutId id="2147483741" r:id="rId9"/>
-    <p:sldLayoutId id="2147483742" r:id="rId10"/>
-    <p:sldLayoutId id="2147483743" r:id="rId11"/>
+    <p:sldLayoutId id="2147483745" r:id="rId1"/>
+    <p:sldLayoutId id="2147483746" r:id="rId2"/>
+    <p:sldLayoutId id="2147483747" r:id="rId3"/>
+    <p:sldLayoutId id="2147483748" r:id="rId4"/>
+    <p:sldLayoutId id="2147483749" r:id="rId5"/>
+    <p:sldLayoutId id="2147483750" r:id="rId6"/>
+    <p:sldLayoutId id="2147483751" r:id="rId7"/>
+    <p:sldLayoutId id="2147483752" r:id="rId8"/>
+    <p:sldLayoutId id="2147483753" r:id="rId9"/>
+    <p:sldLayoutId id="2147483754" r:id="rId10"/>
+    <p:sldLayoutId id="2147483755" r:id="rId11"/>
   </p:sldLayoutIdLst>
   <p:txStyles>
     <p:titleStyle>
@@ -3426,17 +3426,16 @@
       </p:grpSpPr>
       <p:cxnSp>
         <p:nvCxnSpPr>
-          <p:cNvPr id="23" name="Elbow Connector 22"/>
+          <p:cNvPr id="86" name="Elbow Connector 85"/>
           <p:cNvCxnSpPr>
-            <a:stCxn id="54" idx="0"/>
-            <a:endCxn id="49" idx="2"/>
+            <a:endCxn id="87" idx="2"/>
           </p:cNvCxnSpPr>
           <p:nvPr/>
         </p:nvCxnSpPr>
         <p:spPr>
           <a:xfrm rot="16200000" flipV="1">
-            <a:off x="4276446" y="4281937"/>
-            <a:ext cx="968517" cy="1741160"/>
+            <a:off x="14670146" y="4427293"/>
+            <a:ext cx="839144" cy="1597746"/>
           </a:xfrm>
           <a:prstGeom prst="bentConnector3">
             <a:avLst>
@@ -3476,21 +3475,60 @@
       </p:cxnSp>
       <p:cxnSp>
         <p:nvCxnSpPr>
-          <p:cNvPr id="79" name="Elbow Connector 78"/>
+          <p:cNvPr id="106" name="Elbow Connector 105"/>
+          <p:cNvCxnSpPr/>
+          <p:nvPr/>
+        </p:nvCxnSpPr>
+        <p:spPr>
+          <a:xfrm flipV="1">
+            <a:off x="2909597" y="5194700"/>
+            <a:ext cx="1691806" cy="449523"/>
+          </a:xfrm>
+          <a:prstGeom prst="bentConnector3">
+            <a:avLst>
+              <a:gd name="adj1" fmla="val 109"/>
+            </a:avLst>
+          </a:prstGeom>
+          <a:ln w="31750">
+            <a:solidFill>
+              <a:srgbClr val="666633">
+                <a:alpha val="63000"/>
+              </a:srgbClr>
+            </a:solidFill>
+          </a:ln>
+        </p:spPr>
+        <p:style>
+          <a:lnRef idx="1">
+            <a:schemeClr val="accent1"/>
+          </a:lnRef>
+          <a:fillRef idx="0">
+            <a:schemeClr val="accent1"/>
+          </a:fillRef>
+          <a:effectRef idx="0">
+            <a:schemeClr val="accent1"/>
+          </a:effectRef>
+          <a:fontRef idx="minor">
+            <a:schemeClr val="tx1"/>
+          </a:fontRef>
+        </p:style>
+      </p:cxnSp>
+      <p:cxnSp>
+        <p:nvCxnSpPr>
+          <p:cNvPr id="23" name="Elbow Connector 22"/>
           <p:cNvCxnSpPr>
-            <a:stCxn id="49" idx="0"/>
-            <a:endCxn id="48" idx="2"/>
+            <a:stCxn id="54" idx="0"/>
+            <a:endCxn id="49" idx="2"/>
           </p:cNvCxnSpPr>
           <p:nvPr/>
         </p:nvCxnSpPr>
         <p:spPr>
-          <a:xfrm rot="5400000" flipH="1" flipV="1">
-            <a:off x="3784504" y="2632269"/>
-            <a:ext cx="882156" cy="670916"/>
+          <a:xfrm rot="16200000" flipV="1">
+            <a:off x="5059551" y="4321793"/>
+            <a:ext cx="837361" cy="1727239"/>
           </a:xfrm>
           <a:prstGeom prst="bentConnector3">
             <a:avLst>
-              <a:gd name="adj1" fmla="val 51699"/>
+              <a:gd name="adj1" fmla="val 50000"/>
             </a:avLst>
           </a:prstGeom>
           <a:solidFill>
@@ -3526,14 +3564,64 @@
       </p:cxnSp>
       <p:cxnSp>
         <p:nvCxnSpPr>
+          <p:cNvPr id="79" name="Elbow Connector 78"/>
+          <p:cNvCxnSpPr>
+            <a:stCxn id="49" idx="0"/>
+            <a:endCxn id="48" idx="2"/>
+          </p:cNvCxnSpPr>
+          <p:nvPr/>
+        </p:nvCxnSpPr>
+        <p:spPr>
+          <a:xfrm rot="5400000" flipH="1" flipV="1">
+            <a:off x="5331951" y="2006259"/>
+            <a:ext cx="783681" cy="2218360"/>
+          </a:xfrm>
+          <a:prstGeom prst="bentConnector3">
+            <a:avLst>
+              <a:gd name="adj1" fmla="val 64361"/>
+            </a:avLst>
+          </a:prstGeom>
+          <a:solidFill>
+            <a:schemeClr val="accent6">
+              <a:lumMod val="40000"/>
+              <a:lumOff val="60000"/>
+            </a:schemeClr>
+          </a:solidFill>
+          <a:ln w="31750">
+            <a:solidFill>
+              <a:srgbClr val="666633">
+                <a:alpha val="63000"/>
+              </a:srgbClr>
+            </a:solidFill>
+            <a:headEnd w="lg" len="lg"/>
+            <a:tailEnd type="triangle"/>
+          </a:ln>
+        </p:spPr>
+        <p:style>
+          <a:lnRef idx="1">
+            <a:schemeClr val="accent1"/>
+          </a:lnRef>
+          <a:fillRef idx="0">
+            <a:schemeClr val="accent1"/>
+          </a:fillRef>
+          <a:effectRef idx="0">
+            <a:schemeClr val="accent1"/>
+          </a:effectRef>
+          <a:fontRef idx="minor">
+            <a:schemeClr val="tx1"/>
+          </a:fontRef>
+        </p:style>
+      </p:cxnSp>
+      <p:cxnSp>
+        <p:nvCxnSpPr>
           <p:cNvPr id="105" name="Straight Connector 104"/>
           <p:cNvCxnSpPr/>
           <p:nvPr/>
         </p:nvCxnSpPr>
         <p:spPr>
           <a:xfrm>
-            <a:off x="550548" y="3239784"/>
-            <a:ext cx="12667129" cy="29139"/>
+            <a:off x="1148425" y="3239925"/>
+            <a:ext cx="15676534" cy="84902"/>
           </a:xfrm>
           <a:prstGeom prst="line">
             <a:avLst/>
@@ -3570,8 +3658,8 @@
         </p:nvSpPr>
         <p:spPr>
           <a:xfrm>
-            <a:off x="534682" y="2742111"/>
-            <a:ext cx="1647546" cy="400110"/>
+            <a:off x="1315438" y="2742111"/>
+            <a:ext cx="2273388" cy="400110"/>
           </a:xfrm>
           <a:prstGeom prst="rect">
             <a:avLst/>
@@ -3602,7 +3690,7 @@
                   <a:srgbClr val="666633"/>
                 </a:solidFill>
               </a:rPr>
-              <a:t>A</a:t>
+              <a:t>A = 0.20</a:t>
             </a:r>
           </a:p>
         </p:txBody>
@@ -3615,8 +3703,8 @@
         </p:nvSpPr>
         <p:spPr>
           <a:xfrm>
-            <a:off x="550547" y="590821"/>
-            <a:ext cx="1647546" cy="400110"/>
+            <a:off x="1331302" y="590821"/>
+            <a:ext cx="2137111" cy="400110"/>
           </a:xfrm>
           <a:prstGeom prst="rect">
             <a:avLst/>
@@ -3642,13 +3730,18 @@
               <a:t> </a:t>
             </a:r>
             <a:r>
-              <a:rPr lang="en-US" sz="2000" dirty="0">
+              <a:rPr lang="en-US" sz="2000">
                 <a:solidFill>
                   <a:srgbClr val="666633"/>
                 </a:solidFill>
               </a:rPr>
-              <a:t>B</a:t>
-            </a:r>
+              <a:t>B = 0.10</a:t>
+            </a:r>
+            <a:endParaRPr lang="en-US" sz="2000" dirty="0">
+              <a:solidFill>
+                <a:srgbClr val="666633"/>
+              </a:solidFill>
+            </a:endParaRPr>
           </a:p>
         </p:txBody>
       </p:sp>
@@ -3660,8 +3753,8 @@
         </p:nvCxnSpPr>
         <p:spPr>
           <a:xfrm>
-            <a:off x="606378" y="1134566"/>
-            <a:ext cx="12667129" cy="29139"/>
+            <a:off x="1148425" y="1218193"/>
+            <a:ext cx="15676534" cy="46329"/>
           </a:xfrm>
           <a:prstGeom prst="line">
             <a:avLst/>
@@ -3698,7 +3791,7 @@
         </p:nvSpPr>
         <p:spPr>
           <a:xfrm>
-            <a:off x="3601701" y="1267196"/>
+            <a:off x="5873632" y="1464145"/>
             <a:ext cx="1918678" cy="1259453"/>
           </a:xfrm>
           <a:prstGeom prst="roundRect">
@@ -3759,7 +3852,7 @@
                   <a:srgbClr val="666633"/>
                 </a:solidFill>
               </a:rPr>
-              <a:t>Cluster#6</a:t>
+              <a:t>Cluster#8</a:t>
             </a:r>
           </a:p>
         </p:txBody>
@@ -3772,7 +3865,7 @@
         </p:nvSpPr>
         <p:spPr>
           <a:xfrm>
-            <a:off x="3835694" y="1452673"/>
+            <a:off x="6107625" y="1649621"/>
             <a:ext cx="1424272" cy="452372"/>
           </a:xfrm>
           <a:prstGeom prst="roundRect">
@@ -3832,7 +3925,7 @@
         </p:nvSpPr>
         <p:spPr>
           <a:xfrm>
-            <a:off x="2930785" y="3408805"/>
+            <a:off x="3655272" y="3507279"/>
             <a:ext cx="1918678" cy="1259453"/>
           </a:xfrm>
           <a:prstGeom prst="roundRect">
@@ -3893,7 +3986,7 @@
                   <a:srgbClr val="666633"/>
                 </a:solidFill>
               </a:rPr>
-              <a:t>Cluster#5</a:t>
+              <a:t>Cluster#6</a:t>
             </a:r>
           </a:p>
         </p:txBody>
@@ -3906,7 +3999,7 @@
         </p:nvSpPr>
         <p:spPr>
           <a:xfrm>
-            <a:off x="3164778" y="3594282"/>
+            <a:off x="3889265" y="3692755"/>
             <a:ext cx="1424272" cy="452372"/>
           </a:xfrm>
           <a:prstGeom prst="roundRect">
@@ -3966,7 +4059,7 @@
         </p:nvSpPr>
         <p:spPr>
           <a:xfrm>
-            <a:off x="1144505" y="5595971"/>
+            <a:off x="1930561" y="5644897"/>
             <a:ext cx="1918678" cy="1259453"/>
           </a:xfrm>
           <a:prstGeom prst="roundRect">
@@ -4040,7 +4133,7 @@
         </p:nvSpPr>
         <p:spPr>
           <a:xfrm>
-            <a:off x="1378498" y="5781448"/>
+            <a:off x="2164554" y="5830373"/>
             <a:ext cx="1424272" cy="452372"/>
           </a:xfrm>
           <a:prstGeom prst="roundRect">
@@ -4100,7 +4193,7 @@
         </p:nvSpPr>
         <p:spPr>
           <a:xfrm>
-            <a:off x="4671945" y="5636775"/>
+            <a:off x="5382511" y="5604093"/>
             <a:ext cx="1918678" cy="1259453"/>
           </a:xfrm>
           <a:prstGeom prst="roundRect">
@@ -4174,7 +4267,7 @@
         </p:nvSpPr>
         <p:spPr>
           <a:xfrm>
-            <a:off x="4905938" y="5822252"/>
+            <a:off x="5616504" y="5789569"/>
             <a:ext cx="1424272" cy="452372"/>
           </a:xfrm>
           <a:prstGeom prst="roundRect">
@@ -4234,7 +4327,7 @@
         </p:nvSpPr>
         <p:spPr>
           <a:xfrm>
-            <a:off x="7800019" y="5615825"/>
+            <a:off x="8528769" y="5642133"/>
             <a:ext cx="1918678" cy="1259453"/>
           </a:xfrm>
           <a:prstGeom prst="roundRect">
@@ -4308,7 +4401,7 @@
         </p:nvSpPr>
         <p:spPr>
           <a:xfrm>
-            <a:off x="8034012" y="5801302"/>
+            <a:off x="8762762" y="5827609"/>
             <a:ext cx="1424272" cy="452372"/>
           </a:xfrm>
           <a:prstGeom prst="roundRect">
@@ -4368,7 +4461,7 @@
         </p:nvSpPr>
         <p:spPr>
           <a:xfrm>
-            <a:off x="10667811" y="5606625"/>
+            <a:off x="11800254" y="5636776"/>
             <a:ext cx="1918678" cy="1259453"/>
           </a:xfrm>
           <a:prstGeom prst="roundRect">
@@ -4442,7 +4535,7 @@
         </p:nvSpPr>
         <p:spPr>
           <a:xfrm>
-            <a:off x="10901804" y="5792102"/>
+            <a:off x="12034247" y="5822252"/>
             <a:ext cx="1424272" cy="452372"/>
           </a:xfrm>
           <a:prstGeom prst="roundRect">
@@ -4496,58 +4589,19 @@
       </p:sp>
       <p:cxnSp>
         <p:nvCxnSpPr>
-          <p:cNvPr id="16" name="Elbow Connector 15"/>
+          <p:cNvPr id="24" name="Elbow Connector 23"/>
           <p:cNvCxnSpPr>
-            <a:stCxn id="51" idx="0"/>
+            <a:stCxn id="56" idx="0"/>
           </p:cNvCxnSpPr>
           <p:nvPr/>
         </p:nvCxnSpPr>
         <p:spPr>
-          <a:xfrm rot="5400000" flipH="1" flipV="1">
-            <a:off x="2775258" y="4481103"/>
-            <a:ext cx="443454" cy="1786282"/>
+          <a:xfrm rot="16200000" flipV="1">
+            <a:off x="6843917" y="2997941"/>
+            <a:ext cx="2633248" cy="2655135"/>
           </a:xfrm>
           <a:prstGeom prst="bentConnector2">
             <a:avLst/>
-          </a:prstGeom>
-          <a:ln w="31750">
-            <a:solidFill>
-              <a:srgbClr val="666633">
-                <a:alpha val="63000"/>
-              </a:srgbClr>
-            </a:solidFill>
-          </a:ln>
-        </p:spPr>
-        <p:style>
-          <a:lnRef idx="1">
-            <a:schemeClr val="accent1"/>
-          </a:lnRef>
-          <a:fillRef idx="0">
-            <a:schemeClr val="accent1"/>
-          </a:fillRef>
-          <a:effectRef idx="0">
-            <a:schemeClr val="accent1"/>
-          </a:effectRef>
-          <a:fontRef idx="minor">
-            <a:schemeClr val="tx1"/>
-          </a:fontRef>
-        </p:style>
-      </p:cxnSp>
-      <p:cxnSp>
-        <p:nvCxnSpPr>
-          <p:cNvPr id="24" name="Elbow Connector 23"/>
-          <p:cNvCxnSpPr/>
-          <p:nvPr/>
-        </p:nvCxnSpPr>
-        <p:spPr>
-          <a:xfrm rot="10800000">
-            <a:off x="4561040" y="2957073"/>
-            <a:ext cx="4185108" cy="2638898"/>
-          </a:xfrm>
-          <a:prstGeom prst="bentConnector3">
-            <a:avLst>
-              <a:gd name="adj1" fmla="val 344"/>
-            </a:avLst>
           </a:prstGeom>
           <a:ln w="31750">
             <a:solidFill>
@@ -4582,8 +4636,8 @@
         </p:nvCxnSpPr>
         <p:spPr>
           <a:xfrm flipV="1">
-            <a:off x="4561040" y="790876"/>
-            <a:ext cx="0" cy="476320"/>
+            <a:off x="6832971" y="839656"/>
+            <a:ext cx="0" cy="624489"/>
           </a:xfrm>
           <a:prstGeom prst="straightConnector1">
             <a:avLst/>
@@ -4619,18 +4673,323 @@
           </a:fontRef>
         </p:style>
       </p:cxnSp>
+      <p:sp>
+        <p:nvSpPr>
+          <p:cNvPr id="26" name="Rounded Rectangle 25"/>
+          <p:cNvSpPr/>
+          <p:nvPr/>
+        </p:nvSpPr>
+        <p:spPr>
+          <a:xfrm>
+            <a:off x="14921256" y="5602694"/>
+            <a:ext cx="1918678" cy="1259453"/>
+          </a:xfrm>
+          <a:prstGeom prst="roundRect">
+            <a:avLst/>
+          </a:prstGeom>
+          <a:solidFill>
+            <a:srgbClr val="FDF373"/>
+          </a:solidFill>
+          <a:ln>
+            <a:solidFill>
+              <a:schemeClr val="accent4">
+                <a:lumMod val="60000"/>
+                <a:lumOff val="40000"/>
+              </a:schemeClr>
+            </a:solidFill>
+          </a:ln>
+        </p:spPr>
+        <p:style>
+          <a:lnRef idx="2">
+            <a:schemeClr val="accent1">
+              <a:shade val="50000"/>
+            </a:schemeClr>
+          </a:lnRef>
+          <a:fillRef idx="1">
+            <a:schemeClr val="accent1"/>
+          </a:fillRef>
+          <a:effectRef idx="0">
+            <a:schemeClr val="accent1"/>
+          </a:effectRef>
+          <a:fontRef idx="minor">
+            <a:schemeClr val="lt1"/>
+          </a:fontRef>
+        </p:style>
+        <p:txBody>
+          <a:bodyPr rtlCol="0" anchor="ctr"/>
+          <a:lstStyle/>
+          <a:p>
+            <a:pPr algn="ctr"/>
+            <a:endParaRPr lang="en-US" dirty="0">
+              <a:solidFill>
+                <a:srgbClr val="666633"/>
+              </a:solidFill>
+            </a:endParaRPr>
+          </a:p>
+          <a:p>
+            <a:pPr algn="ctr"/>
+            <a:endParaRPr lang="en-US" dirty="0">
+              <a:solidFill>
+                <a:srgbClr val="666633"/>
+              </a:solidFill>
+            </a:endParaRPr>
+          </a:p>
+          <a:p>
+            <a:pPr algn="ctr"/>
+            <a:r>
+              <a:rPr lang="en-US" dirty="0">
+                <a:solidFill>
+                  <a:srgbClr val="666633"/>
+                </a:solidFill>
+              </a:rPr>
+              <a:t>Cluster#5</a:t>
+            </a:r>
+          </a:p>
+        </p:txBody>
+      </p:sp>
+      <p:sp>
+        <p:nvSpPr>
+          <p:cNvPr id="27" name="Rounded Rectangle 26"/>
+          <p:cNvSpPr/>
+          <p:nvPr/>
+        </p:nvSpPr>
+        <p:spPr>
+          <a:xfrm>
+            <a:off x="15168459" y="5786501"/>
+            <a:ext cx="1424272" cy="452372"/>
+          </a:xfrm>
+          <a:prstGeom prst="roundRect">
+            <a:avLst/>
+          </a:prstGeom>
+          <a:solidFill>
+            <a:schemeClr val="accent6">
+              <a:lumMod val="40000"/>
+              <a:lumOff val="60000"/>
+            </a:schemeClr>
+          </a:solidFill>
+          <a:ln w="31750">
+            <a:solidFill>
+              <a:srgbClr val="666633">
+                <a:alpha val="63000"/>
+              </a:srgbClr>
+            </a:solidFill>
+            <a:headEnd w="lg" len="lg"/>
+            <a:tailEnd type="triangle"/>
+          </a:ln>
+        </p:spPr>
+        <p:style>
+          <a:lnRef idx="1">
+            <a:schemeClr val="accent1"/>
+          </a:lnRef>
+          <a:fillRef idx="0">
+            <a:schemeClr val="accent1"/>
+          </a:fillRef>
+          <a:effectRef idx="0">
+            <a:schemeClr val="accent1"/>
+          </a:effectRef>
+          <a:fontRef idx="minor">
+            <a:schemeClr val="tx1"/>
+          </a:fontRef>
+        </p:style>
+        <p:txBody>
+          <a:bodyPr rtlCol="0" anchor="ctr"/>
+          <a:lstStyle/>
+          <a:p>
+            <a:pPr algn="ctr"/>
+            <a:r>
+              <a:rPr lang="en-US" sz="2000" dirty="0">
+                <a:solidFill>
+                  <a:srgbClr val="666633"/>
+                </a:solidFill>
+              </a:rPr>
+              <a:t>AUAST E</a:t>
+            </a:r>
+          </a:p>
+        </p:txBody>
+      </p:sp>
+      <p:sp>
+        <p:nvSpPr>
+          <p:cNvPr id="87" name="Rounded Rectangle 86"/>
+          <p:cNvSpPr/>
+          <p:nvPr/>
+        </p:nvSpPr>
+        <p:spPr>
+          <a:xfrm>
+            <a:off x="13331506" y="3547141"/>
+            <a:ext cx="1918678" cy="1259453"/>
+          </a:xfrm>
+          <a:prstGeom prst="roundRect">
+            <a:avLst/>
+          </a:prstGeom>
+          <a:solidFill>
+            <a:srgbClr val="FDF373"/>
+          </a:solidFill>
+          <a:ln>
+            <a:solidFill>
+              <a:schemeClr val="accent4">
+                <a:lumMod val="60000"/>
+                <a:lumOff val="40000"/>
+              </a:schemeClr>
+            </a:solidFill>
+          </a:ln>
+        </p:spPr>
+        <p:style>
+          <a:lnRef idx="2">
+            <a:schemeClr val="accent1">
+              <a:shade val="50000"/>
+            </a:schemeClr>
+          </a:lnRef>
+          <a:fillRef idx="1">
+            <a:schemeClr val="accent1"/>
+          </a:fillRef>
+          <a:effectRef idx="0">
+            <a:schemeClr val="accent1"/>
+          </a:effectRef>
+          <a:fontRef idx="minor">
+            <a:schemeClr val="lt1"/>
+          </a:fontRef>
+        </p:style>
+        <p:txBody>
+          <a:bodyPr rtlCol="0" anchor="ctr"/>
+          <a:lstStyle/>
+          <a:p>
+            <a:pPr algn="ctr"/>
+            <a:endParaRPr lang="en-US" dirty="0">
+              <a:solidFill>
+                <a:srgbClr val="666633"/>
+              </a:solidFill>
+            </a:endParaRPr>
+          </a:p>
+          <a:p>
+            <a:pPr algn="ctr"/>
+            <a:endParaRPr lang="en-US" dirty="0">
+              <a:solidFill>
+                <a:srgbClr val="666633"/>
+              </a:solidFill>
+            </a:endParaRPr>
+          </a:p>
+          <a:p>
+            <a:pPr algn="ctr"/>
+            <a:r>
+              <a:rPr lang="en-US" dirty="0">
+                <a:solidFill>
+                  <a:srgbClr val="666633"/>
+                </a:solidFill>
+              </a:rPr>
+              <a:t>Cluster#7</a:t>
+            </a:r>
+          </a:p>
+        </p:txBody>
+      </p:sp>
+      <p:sp>
+        <p:nvSpPr>
+          <p:cNvPr id="88" name="Rounded Rectangle 87"/>
+          <p:cNvSpPr/>
+          <p:nvPr/>
+        </p:nvSpPr>
+        <p:spPr>
+          <a:xfrm>
+            <a:off x="13565499" y="3732617"/>
+            <a:ext cx="1424272" cy="452372"/>
+          </a:xfrm>
+          <a:prstGeom prst="roundRect">
+            <a:avLst/>
+          </a:prstGeom>
+          <a:solidFill>
+            <a:schemeClr val="accent6">
+              <a:lumMod val="40000"/>
+              <a:lumOff val="60000"/>
+            </a:schemeClr>
+          </a:solidFill>
+          <a:ln w="31750">
+            <a:solidFill>
+              <a:srgbClr val="666633">
+                <a:alpha val="63000"/>
+              </a:srgbClr>
+            </a:solidFill>
+            <a:headEnd w="lg" len="lg"/>
+            <a:tailEnd type="triangle"/>
+          </a:ln>
+        </p:spPr>
+        <p:style>
+          <a:lnRef idx="1">
+            <a:schemeClr val="accent1"/>
+          </a:lnRef>
+          <a:fillRef idx="0">
+            <a:schemeClr val="accent1"/>
+          </a:fillRef>
+          <a:effectRef idx="0">
+            <a:schemeClr val="accent1"/>
+          </a:effectRef>
+          <a:fontRef idx="minor">
+            <a:schemeClr val="tx1"/>
+          </a:fontRef>
+        </p:style>
+        <p:txBody>
+          <a:bodyPr rtlCol="0" anchor="ctr"/>
+          <a:lstStyle/>
+          <a:p>
+            <a:pPr algn="ctr"/>
+            <a:r>
+              <a:rPr lang="en-US" sz="2000" dirty="0">
+                <a:solidFill>
+                  <a:srgbClr val="666633"/>
+                </a:solidFill>
+              </a:rPr>
+              <a:t>AUAST DE</a:t>
+            </a:r>
+          </a:p>
+        </p:txBody>
+      </p:sp>
       <p:cxnSp>
         <p:nvCxnSpPr>
-          <p:cNvPr id="98" name="Straight Arrow Connector 97"/>
+          <p:cNvPr id="89" name="Elbow Connector 88"/>
+          <p:cNvCxnSpPr/>
+          <p:nvPr/>
+        </p:nvCxnSpPr>
+        <p:spPr>
+          <a:xfrm rot="5400000" flipH="1" flipV="1">
+            <a:off x="13305848" y="4679913"/>
+            <a:ext cx="438745" cy="1531254"/>
+          </a:xfrm>
+          <a:prstGeom prst="bentConnector2">
+            <a:avLst/>
+          </a:prstGeom>
+          <a:ln w="31750">
+            <a:solidFill>
+              <a:srgbClr val="666633">
+                <a:alpha val="63000"/>
+              </a:srgbClr>
+            </a:solidFill>
+          </a:ln>
+        </p:spPr>
+        <p:style>
+          <a:lnRef idx="1">
+            <a:schemeClr val="accent1"/>
+          </a:lnRef>
+          <a:fillRef idx="0">
+            <a:schemeClr val="accent1"/>
+          </a:fillRef>
+          <a:effectRef idx="0">
+            <a:schemeClr val="accent1"/>
+          </a:effectRef>
+          <a:fontRef idx="minor">
+            <a:schemeClr val="tx1"/>
+          </a:fontRef>
+        </p:style>
+      </p:cxnSp>
+      <p:cxnSp>
+        <p:nvCxnSpPr>
+          <p:cNvPr id="103" name="Straight Arrow Connector 102"/>
           <p:cNvCxnSpPr>
-            <a:stCxn id="58" idx="0"/>
+            <a:stCxn id="87" idx="0"/>
           </p:cNvCxnSpPr>
           <p:nvPr/>
         </p:nvCxnSpPr>
         <p:spPr>
           <a:xfrm flipH="1" flipV="1">
-            <a:off x="11613940" y="842298"/>
-            <a:ext cx="13210" cy="4764327"/>
+            <a:off x="14277635" y="1019067"/>
+            <a:ext cx="13210" cy="2528074"/>
           </a:xfrm>
           <a:prstGeom prst="straightConnector1">
             <a:avLst/>
@@ -4725,9 +5084,9 @@
         <a:latin typeface="Calibri Light" panose="020F0302020204030204"/>
         <a:ea typeface=""/>
         <a:cs typeface=""/>
-        <a:font script="Jpan" typeface="游ゴシック Light"/>
+        <a:font script="Jpan" typeface="ＭＳ Ｐゴシック"/>
         <a:font script="Hang" typeface="맑은 고딕"/>
-        <a:font script="Hans" typeface="等线 Light"/>
+        <a:font script="Hans" typeface="宋体"/>
         <a:font script="Hant" typeface="新細明體"/>
         <a:font script="Arab" typeface="Times New Roman"/>
         <a:font script="Hebr" typeface="Times New Roman"/>
@@ -4760,9 +5119,9 @@
         <a:latin typeface="Calibri" panose="020F0502020204030204"/>
         <a:ea typeface=""/>
         <a:cs typeface=""/>
-        <a:font script="Jpan" typeface="游ゴシック"/>
+        <a:font script="Jpan" typeface="ＭＳ Ｐゴシック"/>
         <a:font script="Hang" typeface="맑은 고딕"/>
-        <a:font script="Hans" typeface="等线"/>
+        <a:font script="Hans" typeface="宋体"/>
         <a:font script="Hant" typeface="新細明體"/>
         <a:font script="Arab" typeface="Arial"/>
         <a:font script="Hebr" typeface="Arial"/>
